--- a/Module 2/Operation Remote Resupply, Part 2.pptx
+++ b/Module 2/Operation Remote Resupply, Part 2.pptx
@@ -211,7 +211,7 @@
           <a:p>
             <a:fld id="{5B231E46-A748-4CE4-A01E-2BB12258E13D}" type="datetimeFigureOut">
               <a:rPr lang="en-US" smtClean="0"/>
-              <a:t>4/25/2017</a:t>
+              <a:t>4/27/2017</a:t>
             </a:fld>
             <a:endParaRPr lang="en-US"/>
           </a:p>
@@ -2673,7 +2673,7 @@
           <a:p>
             <a:fld id="{C5CFB798-4527-4C1E-8778-A24776287903}" type="datetimeFigureOut">
               <a:rPr lang="en-US" smtClean="0"/>
-              <a:t>4/25/2017</a:t>
+              <a:t>4/27/2017</a:t>
             </a:fld>
             <a:endParaRPr lang="en-US"/>
           </a:p>
@@ -2841,7 +2841,7 @@
           <a:p>
             <a:fld id="{C5CFB798-4527-4C1E-8778-A24776287903}" type="datetimeFigureOut">
               <a:rPr lang="en-US" smtClean="0"/>
-              <a:t>4/25/2017</a:t>
+              <a:t>4/27/2017</a:t>
             </a:fld>
             <a:endParaRPr lang="en-US"/>
           </a:p>
@@ -3019,7 +3019,7 @@
           <a:p>
             <a:fld id="{C5CFB798-4527-4C1E-8778-A24776287903}" type="datetimeFigureOut">
               <a:rPr lang="en-US" smtClean="0"/>
-              <a:t>4/25/2017</a:t>
+              <a:t>4/27/2017</a:t>
             </a:fld>
             <a:endParaRPr lang="en-US"/>
           </a:p>
@@ -3187,7 +3187,7 @@
           <a:p>
             <a:fld id="{C5CFB798-4527-4C1E-8778-A24776287903}" type="datetimeFigureOut">
               <a:rPr lang="en-US" smtClean="0"/>
-              <a:t>4/25/2017</a:t>
+              <a:t>4/27/2017</a:t>
             </a:fld>
             <a:endParaRPr lang="en-US"/>
           </a:p>
@@ -3432,7 +3432,7 @@
           <a:p>
             <a:fld id="{C5CFB798-4527-4C1E-8778-A24776287903}" type="datetimeFigureOut">
               <a:rPr lang="en-US" smtClean="0"/>
-              <a:t>4/25/2017</a:t>
+              <a:t>4/27/2017</a:t>
             </a:fld>
             <a:endParaRPr lang="en-US"/>
           </a:p>
@@ -3661,7 +3661,7 @@
           <a:p>
             <a:fld id="{C5CFB798-4527-4C1E-8778-A24776287903}" type="datetimeFigureOut">
               <a:rPr lang="en-US" smtClean="0"/>
-              <a:t>4/25/2017</a:t>
+              <a:t>4/27/2017</a:t>
             </a:fld>
             <a:endParaRPr lang="en-US"/>
           </a:p>
@@ -4025,7 +4025,7 @@
           <a:p>
             <a:fld id="{C5CFB798-4527-4C1E-8778-A24776287903}" type="datetimeFigureOut">
               <a:rPr lang="en-US" smtClean="0"/>
-              <a:t>4/25/2017</a:t>
+              <a:t>4/27/2017</a:t>
             </a:fld>
             <a:endParaRPr lang="en-US"/>
           </a:p>
@@ -4142,7 +4142,7 @@
           <a:p>
             <a:fld id="{C5CFB798-4527-4C1E-8778-A24776287903}" type="datetimeFigureOut">
               <a:rPr lang="en-US" smtClean="0"/>
-              <a:t>4/25/2017</a:t>
+              <a:t>4/27/2017</a:t>
             </a:fld>
             <a:endParaRPr lang="en-US"/>
           </a:p>
@@ -4237,7 +4237,7 @@
           <a:p>
             <a:fld id="{C5CFB798-4527-4C1E-8778-A24776287903}" type="datetimeFigureOut">
               <a:rPr lang="en-US" smtClean="0"/>
-              <a:t>4/25/2017</a:t>
+              <a:t>4/27/2017</a:t>
             </a:fld>
             <a:endParaRPr lang="en-US"/>
           </a:p>
@@ -4512,7 +4512,7 @@
           <a:p>
             <a:fld id="{C5CFB798-4527-4C1E-8778-A24776287903}" type="datetimeFigureOut">
               <a:rPr lang="en-US" smtClean="0"/>
-              <a:t>4/25/2017</a:t>
+              <a:t>4/27/2017</a:t>
             </a:fld>
             <a:endParaRPr lang="en-US"/>
           </a:p>
@@ -4764,7 +4764,7 @@
           <a:p>
             <a:fld id="{C5CFB798-4527-4C1E-8778-A24776287903}" type="datetimeFigureOut">
               <a:rPr lang="en-US" smtClean="0"/>
-              <a:t>4/25/2017</a:t>
+              <a:t>4/27/2017</a:t>
             </a:fld>
             <a:endParaRPr lang="en-US"/>
           </a:p>
@@ -4975,7 +4975,7 @@
           <a:p>
             <a:fld id="{C5CFB798-4527-4C1E-8778-A24776287903}" type="datetimeFigureOut">
               <a:rPr lang="en-US" smtClean="0"/>
-              <a:t>4/25/2017</a:t>
+              <a:t>4/27/2017</a:t>
             </a:fld>
             <a:endParaRPr lang="en-US"/>
           </a:p>
@@ -6219,15 +6219,30 @@
               <a:rPr lang="en-US" dirty="0">
                 <a:latin typeface="Consolas" panose="020B0609020204030204" pitchFamily="49" charset="0"/>
               </a:rPr>
-              <a:t>    {</a:t>
-            </a:r>
+              <a:t> </a:t>
+            </a:r>
+            <a:r>
+              <a:rPr lang="en-US" dirty="0" smtClean="0">
+                <a:latin typeface="Consolas" panose="020B0609020204030204" pitchFamily="49" charset="0"/>
+              </a:rPr>
+              <a:t>{</a:t>
+            </a:r>
+            <a:endParaRPr lang="en-US" dirty="0">
+              <a:latin typeface="Consolas" panose="020B0609020204030204" pitchFamily="49" charset="0"/>
+            </a:endParaRPr>
           </a:p>
           <a:p>
             <a:r>
               <a:rPr lang="en-US" dirty="0">
                 <a:latin typeface="Consolas" panose="020B0609020204030204" pitchFamily="49" charset="0"/>
               </a:rPr>
-              <a:t>        void </a:t>
+              <a:t>     </a:t>
+            </a:r>
+            <a:r>
+              <a:rPr lang="en-US" dirty="0" smtClean="0">
+                <a:latin typeface="Consolas" panose="020B0609020204030204" pitchFamily="49" charset="0"/>
+              </a:rPr>
+              <a:t>void </a:t>
             </a:r>
             <a:r>
               <a:rPr lang="en-US" dirty="0" err="1">
@@ -6247,7 +6262,13 @@
               <a:rPr lang="en-US" dirty="0">
                 <a:latin typeface="Consolas" panose="020B0609020204030204" pitchFamily="49" charset="0"/>
               </a:rPr>
-              <a:t>        void </a:t>
+              <a:t>     </a:t>
+            </a:r>
+            <a:r>
+              <a:rPr lang="en-US" dirty="0" smtClean="0">
+                <a:latin typeface="Consolas" panose="020B0609020204030204" pitchFamily="49" charset="0"/>
+              </a:rPr>
+              <a:t>void </a:t>
             </a:r>
             <a:r>
               <a:rPr lang="en-US" dirty="0" err="1">
@@ -6267,7 +6288,13 @@
               <a:rPr lang="en-US" dirty="0">
                 <a:latin typeface="Consolas" panose="020B0609020204030204" pitchFamily="49" charset="0"/>
               </a:rPr>
-              <a:t>        Action </a:t>
+              <a:t>     </a:t>
+            </a:r>
+            <a:r>
+              <a:rPr lang="en-US" dirty="0" smtClean="0">
+                <a:latin typeface="Consolas" panose="020B0609020204030204" pitchFamily="49" charset="0"/>
+              </a:rPr>
+              <a:t>Action </a:t>
             </a:r>
             <a:r>
               <a:rPr lang="en-US" dirty="0" err="1">
@@ -6287,7 +6314,13 @@
               <a:rPr lang="en-US" dirty="0">
                 <a:latin typeface="Consolas" panose="020B0609020204030204" pitchFamily="49" charset="0"/>
               </a:rPr>
-              <a:t>    }</a:t>
+              <a:t> </a:t>
+            </a:r>
+            <a:r>
+              <a:rPr lang="en-US" dirty="0" smtClean="0">
+                <a:latin typeface="Consolas" panose="020B0609020204030204" pitchFamily="49" charset="0"/>
+              </a:rPr>
+              <a:t>}</a:t>
             </a:r>
             <a:endParaRPr lang="en-US" sz="1600" dirty="0">
               <a:latin typeface="Consolas" panose="020B0609020204030204" pitchFamily="49" charset="0"/>
@@ -6311,8 +6344,12 @@
           <a:lstStyle/>
           <a:p>
             <a:r>
+              <a:rPr lang="en-US" dirty="0" smtClean="0"/>
+              <a:t>Defining </a:t>
+            </a:r>
+            <a:r>
               <a:rPr lang="en-US" dirty="0"/>
-              <a:t>Implementing an Interface</a:t>
+              <a:t>an Interface</a:t>
             </a:r>
           </a:p>
         </p:txBody>
@@ -6867,18 +6904,27 @@
           </a:p>
           <a:p>
             <a:r>
+              <a:rPr lang="en-US" sz="1400" dirty="0" smtClean="0">
+                <a:latin typeface="Consolas" panose="020B0609020204030204" pitchFamily="49" charset="0"/>
+              </a:rPr>
+              <a:t>{</a:t>
+            </a:r>
+            <a:endParaRPr lang="en-US" sz="1400" dirty="0">
+              <a:latin typeface="Consolas" panose="020B0609020204030204" pitchFamily="49" charset="0"/>
+            </a:endParaRPr>
+          </a:p>
+          <a:p>
+            <a:r>
+              <a:rPr lang="en-US" sz="1400" dirty="0" smtClean="0">
+                <a:latin typeface="Consolas" panose="020B0609020204030204" pitchFamily="49" charset="0"/>
+              </a:rPr>
+              <a:t>    </a:t>
+            </a:r>
+            <a:r>
               <a:rPr lang="en-US" sz="1400" dirty="0">
                 <a:latin typeface="Consolas" panose="020B0609020204030204" pitchFamily="49" charset="0"/>
               </a:rPr>
-              <a:t>    {</a:t>
-            </a:r>
-          </a:p>
-          <a:p>
-            <a:r>
-              <a:rPr lang="en-US" sz="1400" dirty="0">
-                <a:latin typeface="Consolas" panose="020B0609020204030204" pitchFamily="49" charset="0"/>
-              </a:rPr>
-              <a:t>        private </a:t>
+              <a:t>private </a:t>
             </a:r>
             <a:r>
               <a:rPr lang="en-US" sz="1400" dirty="0" err="1">
@@ -6912,10 +6958,16 @@
           </a:p>
           <a:p>
             <a:r>
+              <a:rPr lang="en-US" sz="1400" dirty="0" smtClean="0">
+                <a:latin typeface="Consolas" panose="020B0609020204030204" pitchFamily="49" charset="0"/>
+              </a:rPr>
+              <a:t>    </a:t>
+            </a:r>
+            <a:r>
               <a:rPr lang="en-US" sz="1400" dirty="0">
                 <a:latin typeface="Consolas" panose="020B0609020204030204" pitchFamily="49" charset="0"/>
               </a:rPr>
-              <a:t>        public Action </a:t>
+              <a:t>public Action </a:t>
             </a:r>
             <a:r>
               <a:rPr lang="en-US" sz="1400" dirty="0" err="1">
@@ -6937,10 +6989,16 @@
           </a:p>
           <a:p>
             <a:r>
+              <a:rPr lang="en-US" sz="1400" dirty="0" smtClean="0">
+                <a:latin typeface="Consolas" panose="020B0609020204030204" pitchFamily="49" charset="0"/>
+              </a:rPr>
+              <a:t>    </a:t>
+            </a:r>
+            <a:r>
               <a:rPr lang="en-US" sz="1400" dirty="0">
                 <a:latin typeface="Consolas" panose="020B0609020204030204" pitchFamily="49" charset="0"/>
               </a:rPr>
-              <a:t>        public </a:t>
+              <a:t>public </a:t>
             </a:r>
             <a:r>
               <a:rPr lang="en-US" sz="1400" dirty="0" err="1">
@@ -6957,18 +7015,30 @@
           </a:p>
           <a:p>
             <a:r>
+              <a:rPr lang="en-US" sz="1400" dirty="0" smtClean="0">
+                <a:latin typeface="Consolas" panose="020B0609020204030204" pitchFamily="49" charset="0"/>
+              </a:rPr>
+              <a:t>    </a:t>
+            </a:r>
+            <a:r>
               <a:rPr lang="en-US" sz="1400" dirty="0">
                 <a:latin typeface="Consolas" panose="020B0609020204030204" pitchFamily="49" charset="0"/>
               </a:rPr>
-              <a:t>        {</a:t>
-            </a:r>
-          </a:p>
-          <a:p>
+              <a:t>{</a:t>
+            </a:r>
+          </a:p>
+          <a:p>
+            <a:r>
+              <a:rPr lang="en-US" sz="1400" dirty="0" smtClean="0">
+                <a:latin typeface="Consolas" panose="020B0609020204030204" pitchFamily="49" charset="0"/>
+              </a:rPr>
+              <a:t>    </a:t>
+            </a:r>
             <a:r>
               <a:rPr lang="en-US" sz="1400" dirty="0">
                 <a:latin typeface="Consolas" panose="020B0609020204030204" pitchFamily="49" charset="0"/>
               </a:rPr>
-              <a:t>        }</a:t>
+              <a:t>}</a:t>
             </a:r>
           </a:p>
           <a:p>
@@ -6978,10 +7048,16 @@
           </a:p>
           <a:p>
             <a:r>
+              <a:rPr lang="en-US" sz="1400" dirty="0" smtClean="0">
+                <a:latin typeface="Consolas" panose="020B0609020204030204" pitchFamily="49" charset="0"/>
+              </a:rPr>
+              <a:t>    </a:t>
+            </a:r>
+            <a:r>
               <a:rPr lang="en-US" sz="1400" dirty="0">
                 <a:latin typeface="Consolas" panose="020B0609020204030204" pitchFamily="49" charset="0"/>
               </a:rPr>
-              <a:t>        public void </a:t>
+              <a:t>public void </a:t>
             </a:r>
             <a:r>
               <a:rPr lang="en-US" sz="1400" dirty="0" err="1">
@@ -6998,11 +7074,28 @@
           </a:p>
           <a:p>
             <a:r>
+              <a:rPr lang="en-US" sz="1400" dirty="0" smtClean="0">
+                <a:latin typeface="Consolas" panose="020B0609020204030204" pitchFamily="49" charset="0"/>
+              </a:rPr>
+              <a:t>    {</a:t>
+            </a:r>
+          </a:p>
+          <a:p>
+            <a:r>
               <a:rPr lang="en-US" sz="1400" dirty="0">
                 <a:latin typeface="Consolas" panose="020B0609020204030204" pitchFamily="49" charset="0"/>
               </a:rPr>
-              <a:t>        {</a:t>
-            </a:r>
+              <a:t> </a:t>
+            </a:r>
+            <a:r>
+              <a:rPr lang="en-US" sz="1400" dirty="0" smtClean="0">
+                <a:latin typeface="Consolas" panose="020B0609020204030204" pitchFamily="49" charset="0"/>
+              </a:rPr>
+              <a:t>       .</a:t>
+            </a:r>
+            <a:endParaRPr lang="en-US" sz="1400" dirty="0">
+              <a:latin typeface="Consolas" panose="020B0609020204030204" pitchFamily="49" charset="0"/>
+            </a:endParaRPr>
           </a:p>
           <a:p>
             <a:pPr lvl="1"/>
@@ -7010,8 +7103,17 @@
               <a:rPr lang="en-US" sz="1400" dirty="0">
                 <a:latin typeface="Consolas" panose="020B0609020204030204" pitchFamily="49" charset="0"/>
               </a:rPr>
-              <a:t>	.</a:t>
-            </a:r>
+              <a:t> </a:t>
+            </a:r>
+            <a:r>
+              <a:rPr lang="en-US" sz="1400" dirty="0" smtClean="0">
+                <a:latin typeface="Consolas" panose="020B0609020204030204" pitchFamily="49" charset="0"/>
+              </a:rPr>
+              <a:t>   .</a:t>
+            </a:r>
+            <a:endParaRPr lang="en-US" sz="1400" dirty="0">
+              <a:latin typeface="Consolas" panose="020B0609020204030204" pitchFamily="49" charset="0"/>
+            </a:endParaRPr>
           </a:p>
           <a:p>
             <a:pPr lvl="1"/>
@@ -7019,24 +7121,30 @@
               <a:rPr lang="en-US" sz="1400" dirty="0">
                 <a:latin typeface="Consolas" panose="020B0609020204030204" pitchFamily="49" charset="0"/>
               </a:rPr>
-              <a:t>	.</a:t>
-            </a:r>
-          </a:p>
-          <a:p>
-            <a:pPr lvl="1"/>
+              <a:t> </a:t>
+            </a:r>
+            <a:r>
+              <a:rPr lang="en-US" sz="1400" dirty="0" smtClean="0">
+                <a:latin typeface="Consolas" panose="020B0609020204030204" pitchFamily="49" charset="0"/>
+              </a:rPr>
+              <a:t>   .</a:t>
+            </a:r>
+            <a:endParaRPr lang="en-US" sz="1400" dirty="0">
+              <a:latin typeface="Consolas" panose="020B0609020204030204" pitchFamily="49" charset="0"/>
+            </a:endParaRPr>
+          </a:p>
+          <a:p>
+            <a:r>
+              <a:rPr lang="en-US" sz="1400" dirty="0" smtClean="0">
+                <a:latin typeface="Consolas" panose="020B0609020204030204" pitchFamily="49" charset="0"/>
+              </a:rPr>
+              <a:t>    </a:t>
+            </a:r>
             <a:r>
               <a:rPr lang="en-US" sz="1400" dirty="0">
                 <a:latin typeface="Consolas" panose="020B0609020204030204" pitchFamily="49" charset="0"/>
               </a:rPr>
-              <a:t>	.</a:t>
-            </a:r>
-          </a:p>
-          <a:p>
-            <a:r>
-              <a:rPr lang="en-US" sz="1400" dirty="0">
-                <a:latin typeface="Consolas" panose="020B0609020204030204" pitchFamily="49" charset="0"/>
-              </a:rPr>
-              <a:t>        }</a:t>
+              <a:t>}</a:t>
             </a:r>
           </a:p>
         </p:txBody>
@@ -7058,8 +7166,13 @@
           <a:p>
             <a:r>
               <a:rPr lang="en-US" dirty="0"/>
-              <a:t>Implementing an Implementation</a:t>
-            </a:r>
+              <a:t>Implementing </a:t>
+            </a:r>
+            <a:r>
+              <a:rPr lang="en-US" dirty="0" smtClean="0"/>
+              <a:t>an Interface</a:t>
+            </a:r>
+            <a:endParaRPr lang="en-US" dirty="0"/>
           </a:p>
         </p:txBody>
       </p:sp>
@@ -7649,9 +7762,10 @@
           <a:lstStyle/>
           <a:p>
             <a:r>
-              <a:rPr lang="en-US" dirty="0"/>
-              <a:t>Implementing a Registration</a:t>
-            </a:r>
+              <a:rPr lang="en-US" dirty="0" smtClean="0"/>
+              <a:t>Registering a Dependency Service</a:t>
+            </a:r>
+            <a:endParaRPr lang="en-US" dirty="0"/>
           </a:p>
         </p:txBody>
       </p:sp>
@@ -8161,8 +8275,13 @@
           <a:p>
             <a:r>
               <a:rPr lang="en-US" dirty="0"/>
-              <a:t>Calling a Service</a:t>
-            </a:r>
+              <a:t>Calling a </a:t>
+            </a:r>
+            <a:r>
+              <a:rPr lang="en-US" dirty="0" smtClean="0"/>
+              <a:t>Dependency Service</a:t>
+            </a:r>
+            <a:endParaRPr lang="en-US" dirty="0"/>
           </a:p>
         </p:txBody>
       </p:sp>
@@ -9191,9 +9310,10 @@
           <a:lstStyle/>
           <a:p>
             <a:r>
-              <a:rPr lang="en-US" dirty="0"/>
-              <a:t>Lab Walkthrough</a:t>
-            </a:r>
+              <a:rPr lang="en-US" dirty="0" smtClean="0"/>
+              <a:t>Lab</a:t>
+            </a:r>
+            <a:endParaRPr lang="en-US" dirty="0"/>
           </a:p>
         </p:txBody>
       </p:sp>
@@ -9835,12 +9955,12 @@
         <p:spPr>
           <a:xfrm>
             <a:off x="838200" y="1825625"/>
-            <a:ext cx="4162425" cy="4351338"/>
+            <a:ext cx="4128035" cy="4351338"/>
           </a:xfrm>
         </p:spPr>
         <p:txBody>
           <a:bodyPr>
-            <a:normAutofit fontScale="92500"/>
+            <a:normAutofit/>
           </a:bodyPr>
           <a:lstStyle/>
           <a:p>
@@ -9851,12 +9971,56 @@
               <a:rPr lang="en-US" b="1" dirty="0"/>
               <a:t>Renderers</a:t>
             </a:r>
+            <a:r>
+              <a:rPr lang="en-US" dirty="0"/>
+              <a:t/>
+            </a:r>
             <a:br>
               <a:rPr lang="en-US" dirty="0"/>
             </a:br>
             <a:r>
               <a:rPr lang="en-US" dirty="0"/>
-              <a:t>Used to style controls at “global” or “class” level</a:t>
+              <a:t>Used to </a:t>
+            </a:r>
+            <a:r>
+              <a:rPr lang="en-US" dirty="0" smtClean="0"/>
+              <a:t>modify controls </a:t>
+            </a:r>
+            <a:r>
+              <a:rPr lang="en-US" dirty="0"/>
+              <a:t>at </a:t>
+            </a:r>
+            <a:r>
+              <a:rPr lang="en-US" dirty="0" smtClean="0"/>
+              <a:t>the "global</a:t>
+            </a:r>
+            <a:r>
+              <a:rPr lang="en-US" dirty="0"/>
+              <a:t>"</a:t>
+            </a:r>
+            <a:r>
+              <a:rPr lang="en-US" dirty="0" smtClean="0"/>
+              <a:t> </a:t>
+            </a:r>
+            <a:r>
+              <a:rPr lang="en-US" dirty="0"/>
+              <a:t>or </a:t>
+            </a:r>
+            <a:r>
+              <a:rPr lang="en-US" dirty="0" smtClean="0"/>
+              <a:t>"class</a:t>
+            </a:r>
+            <a:r>
+              <a:rPr lang="en-US" dirty="0"/>
+              <a:t>"</a:t>
+            </a:r>
+            <a:r>
+              <a:rPr lang="en-US" dirty="0" smtClean="0"/>
+              <a:t> </a:t>
+            </a:r>
+            <a:r>
+              <a:rPr lang="en-US" dirty="0"/>
+              <a:t>level</a:t>
             </a:r>
           </a:p>
           <a:p>
@@ -9872,7 +10036,23 @@
             </a:br>
             <a:r>
               <a:rPr lang="en-US" dirty="0"/>
-              <a:t>Used to style controls or apply behavior on a case-by case basis</a:t>
+              <a:t>Used to </a:t>
+            </a:r>
+            <a:r>
+              <a:rPr lang="en-US" dirty="0" smtClean="0"/>
+              <a:t>modify controls on </a:t>
+            </a:r>
+            <a:r>
+              <a:rPr lang="en-US" dirty="0"/>
+              <a:t>a </a:t>
+            </a:r>
+            <a:r>
+              <a:rPr lang="en-US" dirty="0" smtClean="0"/>
+              <a:t>case-by-case </a:t>
+            </a:r>
+            <a:r>
+              <a:rPr lang="en-US" dirty="0"/>
+              <a:t>basis</a:t>
             </a:r>
           </a:p>
           <a:p>
@@ -9888,8 +10068,29 @@
             </a:br>
             <a:r>
               <a:rPr lang="en-US" dirty="0"/>
-              <a:t>Used to “inject” platform-specific services into shared code via an “interface”</a:t>
-            </a:r>
+              <a:t>Used to </a:t>
+            </a:r>
+            <a:r>
+              <a:rPr lang="en-US" dirty="0" smtClean="0"/>
+              <a:t>"inject</a:t>
+            </a:r>
+            <a:r>
+              <a:rPr lang="en-US" dirty="0"/>
+              <a:t>"</a:t>
+            </a:r>
+            <a:r>
+              <a:rPr lang="en-US" dirty="0" smtClean="0"/>
+              <a:t> </a:t>
+            </a:r>
+            <a:r>
+              <a:rPr lang="en-US" dirty="0"/>
+              <a:t>platform-specific services into shared </a:t>
+            </a:r>
+            <a:r>
+              <a:rPr lang="en-US" dirty="0" smtClean="0"/>
+              <a:t>code</a:t>
+            </a:r>
+            <a:endParaRPr lang="en-US" dirty="0"/>
           </a:p>
         </p:txBody>
       </p:sp>
@@ -11084,7 +11285,15 @@
           <a:p>
             <a:r>
               <a:rPr lang="en-US" dirty="0"/>
-              <a:t>Create a class in each supported platform-specific project</a:t>
+              <a:t>Create a class in each </a:t>
+            </a:r>
+            <a:r>
+              <a:rPr lang="en-US" dirty="0" smtClean="0"/>
+              <a:t>platform-specific </a:t>
+            </a:r>
+            <a:r>
+              <a:rPr lang="en-US" dirty="0"/>
+              <a:t>project</a:t>
             </a:r>
           </a:p>
           <a:p>
@@ -11101,8 +11310,12 @@
           </a:p>
           <a:p>
             <a:r>
+              <a:rPr lang="en-US" dirty="0" smtClean="0"/>
+              <a:t>Export </a:t>
+            </a:r>
+            <a:r>
               <a:rPr lang="en-US" dirty="0"/>
-              <a:t>Programmatically export the renderer</a:t>
+              <a:t>the renderer</a:t>
             </a:r>
           </a:p>
         </p:txBody>
@@ -12290,8 +12503,13 @@
             </a:r>
             <a:r>
               <a:rPr lang="en-US" dirty="0"/>
-              <a:t> is recommended when changing the properties of a platform-specific control will achieve the desired result.</a:t>
-            </a:r>
+              <a:t> is recommended when changing the properties of a platform-specific control will achieve the desired </a:t>
+            </a:r>
+            <a:r>
+              <a:rPr lang="en-US" dirty="0" smtClean="0"/>
+              <a:t>result</a:t>
+            </a:r>
+            <a:endParaRPr lang="en-US" dirty="0"/>
           </a:p>
           <a:p>
             <a:r>
@@ -12304,8 +12522,13 @@
             </a:r>
             <a:r>
               <a:rPr lang="en-US" dirty="0"/>
-              <a:t>is required when there's a need to override methods of a platform-specific control.</a:t>
-            </a:r>
+              <a:t>is required when there's a need to override methods of a platform-specific </a:t>
+            </a:r>
+            <a:r>
+              <a:rPr lang="en-US" dirty="0" smtClean="0"/>
+              <a:t>control</a:t>
+            </a:r>
+            <a:endParaRPr lang="en-US" dirty="0"/>
           </a:p>
           <a:p>
             <a:r>
@@ -12318,8 +12541,29 @@
             </a:r>
             <a:r>
               <a:rPr lang="en-US" dirty="0"/>
-              <a:t>is required when there's a need to replace the platform-specific control that implements a Xamarin Forms control.</a:t>
-            </a:r>
+              <a:t>is required when there's a need to replace the platform-specific control that </a:t>
+            </a:r>
+            <a:r>
+              <a:rPr lang="en-US" dirty="0" smtClean="0"/>
+              <a:t>is emitted by a </a:t>
+            </a:r>
+            <a:r>
+              <a:rPr lang="en-US" dirty="0" err="1" smtClean="0"/>
+              <a:t>Xamarin</a:t>
+            </a:r>
+            <a:r>
+              <a:rPr lang="en-US" dirty="0" smtClean="0"/>
+              <a:t> </a:t>
+            </a:r>
+            <a:r>
+              <a:rPr lang="en-US" dirty="0"/>
+              <a:t>Forms </a:t>
+            </a:r>
+            <a:r>
+              <a:rPr lang="en-US" dirty="0" smtClean="0"/>
+              <a:t>control</a:t>
+            </a:r>
+            <a:endParaRPr lang="en-US" dirty="0"/>
           </a:p>
         </p:txBody>
       </p:sp>
@@ -12393,13 +12637,21 @@
         </p:spPr>
         <p:txBody>
           <a:bodyPr>
-            <a:normAutofit fontScale="92500" lnSpcReduction="10000"/>
+            <a:normAutofit lnSpcReduction="10000"/>
           </a:bodyPr>
           <a:lstStyle/>
           <a:p>
             <a:r>
               <a:rPr lang="en-US" dirty="0"/>
-              <a:t>Create a class in each supported platform-specific project</a:t>
+              <a:t>Create a class in each </a:t>
+            </a:r>
+            <a:r>
+              <a:rPr lang="en-US" dirty="0" smtClean="0"/>
+              <a:t>platform-specific </a:t>
+            </a:r>
+            <a:r>
+              <a:rPr lang="en-US" dirty="0"/>
+              <a:t>project</a:t>
             </a:r>
           </a:p>
           <a:p>
@@ -12410,17 +12662,14 @@
           </a:p>
           <a:p>
             <a:r>
-              <a:rPr lang="en-US" dirty="0"/>
-              <a:t>Inherit the </a:t>
-            </a:r>
-            <a:r>
-              <a:rPr lang="en-US" dirty="0" err="1"/>
+              <a:rPr lang="en-US" dirty="0" smtClean="0"/>
+              <a:t>Derive from </a:t>
+            </a:r>
+            <a:r>
+              <a:rPr lang="en-US" dirty="0" err="1" smtClean="0"/>
               <a:t>PlatformEffect</a:t>
             </a:r>
-            <a:r>
-              <a:rPr lang="en-US" dirty="0"/>
-              <a:t> interface</a:t>
-            </a:r>
+            <a:endParaRPr lang="en-US" dirty="0"/>
           </a:p>
           <a:p>
             <a:r>
@@ -12431,7 +12680,15 @@
           <a:p>
             <a:r>
               <a:rPr lang="en-US" dirty="0"/>
-              <a:t>Programmatically export the effect</a:t>
+              <a:t>E</a:t>
+            </a:r>
+            <a:r>
+              <a:rPr lang="en-US" dirty="0" smtClean="0"/>
+              <a:t>xport </a:t>
+            </a:r>
+            <a:r>
+              <a:rPr lang="en-US" dirty="0"/>
+              <a:t>the effect</a:t>
             </a:r>
           </a:p>
         </p:txBody>
@@ -13006,17 +13263,14 @@
           </a:p>
           <a:p>
             <a:r>
-              <a:rPr lang="en-US" dirty="0"/>
-              <a:t>Inherit from the </a:t>
-            </a:r>
-            <a:r>
-              <a:rPr lang="en-US" dirty="0" err="1"/>
+              <a:rPr lang="en-US" dirty="0" smtClean="0"/>
+              <a:t>Derive from </a:t>
+            </a:r>
+            <a:r>
+              <a:rPr lang="en-US" dirty="0" err="1" smtClean="0"/>
               <a:t>RoutingEffect</a:t>
             </a:r>
-            <a:r>
-              <a:rPr lang="en-US" dirty="0"/>
-              <a:t> class</a:t>
-            </a:r>
+            <a:endParaRPr lang="en-US" dirty="0"/>
           </a:p>
           <a:p>
             <a:r>
@@ -13026,9 +13280,10 @@
           </a:p>
           <a:p>
             <a:r>
-              <a:rPr lang="en-US" dirty="0"/>
-              <a:t>Add property to a control to reference the resource</a:t>
-            </a:r>
+              <a:rPr lang="en-US" dirty="0" smtClean="0"/>
+              <a:t>Initialize property added to control</a:t>
+            </a:r>
+            <a:endParaRPr lang="en-US" dirty="0"/>
           </a:p>
         </p:txBody>
       </p:sp>
@@ -13821,20 +14076,40 @@
           </a:lstStyle>
           <a:p>
             <a:r>
+              <a:rPr lang="en-US" dirty="0" smtClean="0"/>
+              <a:t>Define </a:t>
+            </a:r>
+            <a:r>
               <a:rPr lang="en-US" dirty="0"/>
-              <a:t>Create an interface in shared code that “describes” methods</a:t>
-            </a:r>
-          </a:p>
-          <a:p>
+              <a:t>an interface in shared </a:t>
+            </a:r>
+            <a:r>
+              <a:rPr lang="en-US" dirty="0" smtClean="0"/>
+              <a:t>code</a:t>
+            </a:r>
+          </a:p>
+          <a:p>
+            <a:r>
+              <a:rPr lang="en-US" dirty="0" smtClean="0"/>
+              <a:t>Implement the interface in the platform-specific projects</a:t>
+            </a:r>
+          </a:p>
+          <a:p>
+            <a:r>
+              <a:rPr lang="en-US" dirty="0" smtClean="0"/>
+              <a:t>Register </a:t>
+            </a:r>
             <a:r>
               <a:rPr lang="en-US" dirty="0"/>
-              <a:t>Create an implementation in platform-specific code that contains methods</a:t>
-            </a:r>
-          </a:p>
-          <a:p>
+              <a:t>the service </a:t>
+            </a:r>
+            <a:r>
+              <a:rPr lang="en-US" dirty="0" smtClean="0"/>
+              <a:t>so it can be referenced from shared </a:t>
+            </a:r>
             <a:r>
               <a:rPr lang="en-US" dirty="0"/>
-              <a:t>Register the service to be “seen” by shared code</a:t>
+              <a:t>code</a:t>
             </a:r>
           </a:p>
           <a:p>
